--- a/0208DrawAndMoving_Design4/DrawAndMoving_Design4.pptx
+++ b/0208DrawAndMoving_Design4/DrawAndMoving_Design4.pptx
@@ -5,12 +5,13 @@
     <p:sldMasterId id="2147483648" r:id="rId1"/>
   </p:sldMasterIdLst>
   <p:notesMasterIdLst>
-    <p:notesMasterId r:id="rId5"/>
+    <p:notesMasterId r:id="rId6"/>
   </p:notesMasterIdLst>
   <p:sldIdLst>
     <p:sldId id="277" r:id="rId2"/>
-    <p:sldId id="274" r:id="rId3"/>
-    <p:sldId id="278" r:id="rId4"/>
+    <p:sldId id="279" r:id="rId3"/>
+    <p:sldId id="274" r:id="rId4"/>
+    <p:sldId id="278" r:id="rId5"/>
   </p:sldIdLst>
   <p:sldSz cx="16202025" cy="9361488"/>
   <p:notesSz cx="6858000" cy="9144000"/>
@@ -195,7 +196,7 @@
             <a:fld id="{25F67A7C-AD5F-408B-A63E-11878FD7E7F7}" type="datetimeFigureOut">
               <a:rPr lang="ko-KR" altLang="en-US" smtClean="0"/>
               <a:pPr/>
-              <a:t>2019-02-08</a:t>
+              <a:t>2019-02-11</a:t>
             </a:fld>
             <a:endParaRPr lang="ko-KR" altLang="en-US"/>
           </a:p>
@@ -722,6 +723,93 @@
 </p:notes>
 </file>
 
+<file path=ppt/notesSlides/notesSlide4.xml><?xml version="1.0" encoding="utf-8"?>
+<p:notes xmlns:a="http://schemas.openxmlformats.org/drawingml/2006/main" xmlns:r="http://schemas.openxmlformats.org/officeDocument/2006/relationships" xmlns:p="http://schemas.openxmlformats.org/presentationml/2006/main">
+  <p:cSld>
+    <p:spTree>
+      <p:nvGrpSpPr>
+        <p:cNvPr id="1" name=""/>
+        <p:cNvGrpSpPr/>
+        <p:nvPr/>
+      </p:nvGrpSpPr>
+      <p:grpSpPr>
+        <a:xfrm>
+          <a:off x="0" y="0"/>
+          <a:ext cx="0" cy="0"/>
+          <a:chOff x="0" y="0"/>
+          <a:chExt cx="0" cy="0"/>
+        </a:xfrm>
+      </p:grpSpPr>
+      <p:sp>
+        <p:nvSpPr>
+          <p:cNvPr id="2" name="슬라이드 이미지 개체 틀 1"/>
+          <p:cNvSpPr>
+            <a:spLocks noGrp="1" noRot="1" noChangeAspect="1"/>
+          </p:cNvSpPr>
+          <p:nvPr>
+            <p:ph type="sldImg"/>
+          </p:nvPr>
+        </p:nvSpPr>
+        <p:spPr>
+          <a:xfrm>
+            <a:off x="461963" y="685800"/>
+            <a:ext cx="5934075" cy="3429000"/>
+          </a:xfrm>
+        </p:spPr>
+      </p:sp>
+      <p:sp>
+        <p:nvSpPr>
+          <p:cNvPr id="3" name="슬라이드 노트 개체 틀 2"/>
+          <p:cNvSpPr>
+            <a:spLocks noGrp="1"/>
+          </p:cNvSpPr>
+          <p:nvPr>
+            <p:ph type="body" idx="1"/>
+          </p:nvPr>
+        </p:nvSpPr>
+        <p:spPr/>
+        <p:txBody>
+          <a:bodyPr>
+            <a:normAutofit/>
+          </a:bodyPr>
+          <a:lstStyle/>
+          <a:p>
+            <a:endParaRPr lang="ko-KR" altLang="en-US"/>
+          </a:p>
+        </p:txBody>
+      </p:sp>
+      <p:sp>
+        <p:nvSpPr>
+          <p:cNvPr id="4" name="슬라이드 번호 개체 틀 3"/>
+          <p:cNvSpPr>
+            <a:spLocks noGrp="1"/>
+          </p:cNvSpPr>
+          <p:nvPr>
+            <p:ph type="sldNum" sz="quarter" idx="10"/>
+          </p:nvPr>
+        </p:nvSpPr>
+        <p:spPr/>
+        <p:txBody>
+          <a:bodyPr/>
+          <a:lstStyle/>
+          <a:p>
+            <a:fld id="{573BDD45-33EC-43B3-AE61-CEFB0DE2D4C8}" type="slidenum">
+              <a:rPr lang="ko-KR" altLang="en-US" smtClean="0"/>
+              <a:pPr/>
+              <a:t>4</a:t>
+            </a:fld>
+            <a:endParaRPr lang="ko-KR" altLang="en-US"/>
+          </a:p>
+        </p:txBody>
+      </p:sp>
+    </p:spTree>
+  </p:cSld>
+  <p:clrMapOvr>
+    <a:masterClrMapping/>
+  </p:clrMapOvr>
+</p:notes>
+</file>
+
 <file path=ppt/slideLayouts/slideLayout1.xml><?xml version="1.0" encoding="utf-8"?>
 <p:sldLayout xmlns:a="http://schemas.openxmlformats.org/drawingml/2006/main" xmlns:r="http://schemas.openxmlformats.org/officeDocument/2006/relationships" xmlns:p="http://schemas.openxmlformats.org/presentationml/2006/main" type="title" preserve="1">
   <p:cSld name="제목 슬라이드">
@@ -904,7 +992,7 @@
             <a:fld id="{A0404D26-9F52-4BDC-BF0C-6D058CC4650D}" type="datetimeFigureOut">
               <a:rPr lang="ko-KR" altLang="en-US" smtClean="0"/>
               <a:pPr/>
-              <a:t>2019-02-08</a:t>
+              <a:t>2019-02-11</a:t>
             </a:fld>
             <a:endParaRPr lang="ko-KR" altLang="en-US"/>
           </a:p>
@@ -1071,7 +1159,7 @@
             <a:fld id="{A0404D26-9F52-4BDC-BF0C-6D058CC4650D}" type="datetimeFigureOut">
               <a:rPr lang="ko-KR" altLang="en-US" smtClean="0"/>
               <a:pPr/>
-              <a:t>2019-02-08</a:t>
+              <a:t>2019-02-11</a:t>
             </a:fld>
             <a:endParaRPr lang="ko-KR" altLang="en-US"/>
           </a:p>
@@ -1248,7 +1336,7 @@
             <a:fld id="{A0404D26-9F52-4BDC-BF0C-6D058CC4650D}" type="datetimeFigureOut">
               <a:rPr lang="ko-KR" altLang="en-US" smtClean="0"/>
               <a:pPr/>
-              <a:t>2019-02-08</a:t>
+              <a:t>2019-02-11</a:t>
             </a:fld>
             <a:endParaRPr lang="ko-KR" altLang="en-US"/>
           </a:p>
@@ -1415,7 +1503,7 @@
             <a:fld id="{A0404D26-9F52-4BDC-BF0C-6D058CC4650D}" type="datetimeFigureOut">
               <a:rPr lang="ko-KR" altLang="en-US" smtClean="0"/>
               <a:pPr/>
-              <a:t>2019-02-08</a:t>
+              <a:t>2019-02-11</a:t>
             </a:fld>
             <a:endParaRPr lang="ko-KR" altLang="en-US"/>
           </a:p>
@@ -1658,7 +1746,7 @@
             <a:fld id="{A0404D26-9F52-4BDC-BF0C-6D058CC4650D}" type="datetimeFigureOut">
               <a:rPr lang="ko-KR" altLang="en-US" smtClean="0"/>
               <a:pPr/>
-              <a:t>2019-02-08</a:t>
+              <a:t>2019-02-11</a:t>
             </a:fld>
             <a:endParaRPr lang="ko-KR" altLang="en-US"/>
           </a:p>
@@ -1943,7 +2031,7 @@
             <a:fld id="{A0404D26-9F52-4BDC-BF0C-6D058CC4650D}" type="datetimeFigureOut">
               <a:rPr lang="ko-KR" altLang="en-US" smtClean="0"/>
               <a:pPr/>
-              <a:t>2019-02-08</a:t>
+              <a:t>2019-02-11</a:t>
             </a:fld>
             <a:endParaRPr lang="ko-KR" altLang="en-US"/>
           </a:p>
@@ -2362,7 +2450,7 @@
             <a:fld id="{A0404D26-9F52-4BDC-BF0C-6D058CC4650D}" type="datetimeFigureOut">
               <a:rPr lang="ko-KR" altLang="en-US" smtClean="0"/>
               <a:pPr/>
-              <a:t>2019-02-08</a:t>
+              <a:t>2019-02-11</a:t>
             </a:fld>
             <a:endParaRPr lang="ko-KR" altLang="en-US"/>
           </a:p>
@@ -2477,7 +2565,7 @@
             <a:fld id="{A0404D26-9F52-4BDC-BF0C-6D058CC4650D}" type="datetimeFigureOut">
               <a:rPr lang="ko-KR" altLang="en-US" smtClean="0"/>
               <a:pPr/>
-              <a:t>2019-02-08</a:t>
+              <a:t>2019-02-11</a:t>
             </a:fld>
             <a:endParaRPr lang="ko-KR" altLang="en-US"/>
           </a:p>
@@ -2569,7 +2657,7 @@
             <a:fld id="{A0404D26-9F52-4BDC-BF0C-6D058CC4650D}" type="datetimeFigureOut">
               <a:rPr lang="ko-KR" altLang="en-US" smtClean="0"/>
               <a:pPr/>
-              <a:t>2019-02-08</a:t>
+              <a:t>2019-02-11</a:t>
             </a:fld>
             <a:endParaRPr lang="ko-KR" altLang="en-US"/>
           </a:p>
@@ -2843,7 +2931,7 @@
             <a:fld id="{A0404D26-9F52-4BDC-BF0C-6D058CC4650D}" type="datetimeFigureOut">
               <a:rPr lang="ko-KR" altLang="en-US" smtClean="0"/>
               <a:pPr/>
-              <a:t>2019-02-08</a:t>
+              <a:t>2019-02-11</a:t>
             </a:fld>
             <a:endParaRPr lang="ko-KR" altLang="en-US"/>
           </a:p>
@@ -3093,7 +3181,7 @@
             <a:fld id="{A0404D26-9F52-4BDC-BF0C-6D058CC4650D}" type="datetimeFigureOut">
               <a:rPr lang="ko-KR" altLang="en-US" smtClean="0"/>
               <a:pPr/>
-              <a:t>2019-02-08</a:t>
+              <a:t>2019-02-11</a:t>
             </a:fld>
             <a:endParaRPr lang="ko-KR" altLang="en-US"/>
           </a:p>
@@ -3303,7 +3391,7 @@
             <a:fld id="{A0404D26-9F52-4BDC-BF0C-6D058CC4650D}" type="datetimeFigureOut">
               <a:rPr lang="ko-KR" altLang="en-US" smtClean="0"/>
               <a:pPr/>
-              <a:t>2019-02-08</a:t>
+              <a:t>2019-02-11</a:t>
             </a:fld>
             <a:endParaRPr lang="ko-KR" altLang="en-US"/>
           </a:p>
@@ -3674,6 +3762,38 @@
           <a:chExt cx="0" cy="0"/>
         </a:xfrm>
       </p:grpSpPr>
+    </p:spTree>
+  </p:cSld>
+  <p:clrMapOvr>
+    <a:masterClrMapping/>
+  </p:clrMapOvr>
+  <p:timing>
+    <p:tnLst>
+      <p:par>
+        <p:cTn id="1" dur="indefinite" restart="never" nodeType="tmRoot"/>
+      </p:par>
+    </p:tnLst>
+  </p:timing>
+</p:sld>
+</file>
+
+<file path=ppt/slides/slide2.xml><?xml version="1.0" encoding="utf-8"?>
+<p:sld xmlns:a="http://schemas.openxmlformats.org/drawingml/2006/main" xmlns:r="http://schemas.openxmlformats.org/officeDocument/2006/relationships" xmlns:p="http://schemas.openxmlformats.org/presentationml/2006/main">
+  <p:cSld>
+    <p:spTree>
+      <p:nvGrpSpPr>
+        <p:cNvPr id="1" name=""/>
+        <p:cNvGrpSpPr/>
+        <p:nvPr/>
+      </p:nvGrpSpPr>
+      <p:grpSpPr>
+        <a:xfrm>
+          <a:off x="0" y="0"/>
+          <a:ext cx="0" cy="0"/>
+          <a:chOff x="0" y="0"/>
+          <a:chExt cx="0" cy="0"/>
+        </a:xfrm>
+      </p:grpSpPr>
       <p:sp>
         <p:nvSpPr>
           <p:cNvPr id="17" name="직사각형 16"/>
@@ -3837,15 +3957,7 @@
           <a:p>
             <a:r>
               <a:rPr lang="en-US" altLang="ko-KR" smtClean="0"/>
-              <a:t>TCustomDraw(aCanvas : TCanvas; aX, aY, aSize, aColor, </a:t>
-            </a:r>
-            <a:r>
-              <a:rPr lang="en-US" altLang="ko-KR" smtClean="0"/>
-              <a:t>aKeepInteval </a:t>
-            </a:r>
-            <a:r>
-              <a:rPr lang="en-US" altLang="ko-KR" smtClean="0"/>
-              <a:t>; Int)</a:t>
+              <a:t>TCustomDraw(aCanvas : TCanvas; aX, aY, aSize, aColor, aKeepInteval ; Int)</a:t>
             </a:r>
             <a:endParaRPr lang="ko-KR" altLang="en-US"/>
           </a:p>
@@ -4360,7 +4472,7 @@
       </p:sp>
       <p:grpSp>
         <p:nvGrpSpPr>
-          <p:cNvPr id="30" name="그룹 29"/>
+          <p:cNvPr id="2" name="그룹 29"/>
           <p:cNvGrpSpPr/>
           <p:nvPr/>
         </p:nvGrpSpPr>
@@ -4587,7 +4699,7 @@
         <p:spPr>
           <a:xfrm>
             <a:off x="1771910" y="561647"/>
-            <a:ext cx="2655439" cy="2862322"/>
+            <a:ext cx="2655439" cy="2585323"/>
           </a:xfrm>
           <a:prstGeom prst="rect">
             <a:avLst/>
@@ -4601,41 +4713,25 @@
           <a:p>
             <a:r>
               <a:rPr lang="en-US" altLang="ko-KR" smtClean="0"/>
-              <a:t>fCanvas </a:t>
-            </a:r>
+              <a:t>fCanvas = TCanvas</a:t>
+            </a:r>
+          </a:p>
+          <a:p>
             <a:r>
               <a:rPr lang="en-US" altLang="ko-KR" smtClean="0"/>
-              <a:t>= TCanvas</a:t>
+              <a:t>fX = Int</a:t>
             </a:r>
           </a:p>
           <a:p>
             <a:r>
               <a:rPr lang="en-US" altLang="ko-KR" smtClean="0"/>
-              <a:t>fX </a:t>
-            </a:r>
+              <a:t>fY = Int</a:t>
+            </a:r>
+          </a:p>
+          <a:p>
             <a:r>
               <a:rPr lang="en-US" altLang="ko-KR" smtClean="0"/>
-              <a:t>= Int</a:t>
-            </a:r>
-          </a:p>
-          <a:p>
-            <a:r>
-              <a:rPr lang="en-US" altLang="ko-KR" smtClean="0"/>
-              <a:t>fY </a:t>
-            </a:r>
-            <a:r>
-              <a:rPr lang="en-US" altLang="ko-KR" smtClean="0"/>
-              <a:t>= Int</a:t>
-            </a:r>
-          </a:p>
-          <a:p>
-            <a:r>
-              <a:rPr lang="en-US" altLang="ko-KR" smtClean="0"/>
-              <a:t>fSize </a:t>
-            </a:r>
-            <a:r>
-              <a:rPr lang="en-US" altLang="ko-KR" smtClean="0"/>
-              <a:t>= Int</a:t>
+              <a:t>fSize = Int</a:t>
             </a:r>
           </a:p>
           <a:p>
@@ -4659,29 +4755,19 @@
           <a:p>
             <a:r>
               <a:rPr lang="en-US" altLang="ko-KR" smtClean="0"/>
-              <a:t>fTimer </a:t>
-            </a:r>
+              <a:t>fTimer = TTimer</a:t>
+            </a:r>
+          </a:p>
+          <a:p>
             <a:r>
               <a:rPr lang="en-US" altLang="ko-KR" smtClean="0"/>
-              <a:t>= </a:t>
+              <a:t>fIndex = </a:t>
             </a:r>
             <a:r>
               <a:rPr lang="en-US" altLang="ko-KR" smtClean="0"/>
-              <a:t>TTimer</a:t>
-            </a:r>
-          </a:p>
-          <a:p>
-            <a:r>
-              <a:rPr lang="en-US" altLang="ko-KR" smtClean="0"/>
-              <a:t>fIndex = Int</a:t>
+              <a:t>Int</a:t>
             </a:r>
             <a:endParaRPr lang="en-US" altLang="ko-KR" smtClean="0"/>
-          </a:p>
-          <a:p>
-            <a:r>
-              <a:rPr lang="en-US" altLang="ko-KR" smtClean="0"/>
-              <a:t>const SPEED = 5</a:t>
-            </a:r>
           </a:p>
         </p:txBody>
       </p:sp>
@@ -5097,6 +5183,105 @@
           </a:fontRef>
         </p:style>
       </p:cxnSp>
+      <p:sp>
+        <p:nvSpPr>
+          <p:cNvPr id="29" name="TextBox 28"/>
+          <p:cNvSpPr txBox="1"/>
+          <p:nvPr/>
+        </p:nvSpPr>
+        <p:spPr>
+          <a:xfrm>
+            <a:off x="7541393" y="5299510"/>
+            <a:ext cx="3943708" cy="369332"/>
+          </a:xfrm>
+          <a:prstGeom prst="rect">
+            <a:avLst/>
+          </a:prstGeom>
+          <a:noFill/>
+        </p:spPr>
+        <p:txBody>
+          <a:bodyPr wrap="none" rtlCol="0">
+            <a:spAutoFit/>
+          </a:bodyPr>
+          <a:lstStyle/>
+          <a:p>
+            <a:r>
+              <a:rPr lang="ko-KR" altLang="en-US" smtClean="0"/>
+              <a:t>여기 하나 더있어야하는데 뭐였드라</a:t>
+            </a:r>
+            <a:r>
+              <a:rPr lang="en-US" altLang="ko-KR" smtClean="0"/>
+              <a:t>.</a:t>
+            </a:r>
+            <a:endParaRPr lang="ko-KR" altLang="en-US"/>
+          </a:p>
+        </p:txBody>
+      </p:sp>
+      <p:cxnSp>
+        <p:nvCxnSpPr>
+          <p:cNvPr id="36" name="직선 화살표 연결선 35"/>
+          <p:cNvCxnSpPr>
+            <a:stCxn id="17" idx="1"/>
+          </p:cNvCxnSpPr>
+          <p:nvPr/>
+        </p:nvCxnSpPr>
+        <p:spPr>
+          <a:xfrm>
+            <a:off x="12232472" y="4097359"/>
+            <a:ext cx="3645404" cy="0"/>
+          </a:xfrm>
+          <a:prstGeom prst="straightConnector1">
+            <a:avLst/>
+          </a:prstGeom>
+          <a:ln>
+            <a:tailEnd type="arrow"/>
+          </a:ln>
+        </p:spPr>
+        <p:style>
+          <a:lnRef idx="1">
+            <a:schemeClr val="accent1"/>
+          </a:lnRef>
+          <a:fillRef idx="0">
+            <a:schemeClr val="accent1"/>
+          </a:fillRef>
+          <a:effectRef idx="0">
+            <a:schemeClr val="accent1"/>
+          </a:effectRef>
+          <a:fontRef idx="minor">
+            <a:schemeClr val="tx1"/>
+          </a:fontRef>
+        </p:style>
+      </p:cxnSp>
+      <p:sp>
+        <p:nvSpPr>
+          <p:cNvPr id="37" name="TextBox 36"/>
+          <p:cNvSpPr txBox="1"/>
+          <p:nvPr/>
+        </p:nvSpPr>
+        <p:spPr>
+          <a:xfrm>
+            <a:off x="12421492" y="4092982"/>
+            <a:ext cx="1215333" cy="369332"/>
+          </a:xfrm>
+          <a:prstGeom prst="rect">
+            <a:avLst/>
+          </a:prstGeom>
+          <a:noFill/>
+        </p:spPr>
+        <p:txBody>
+          <a:bodyPr wrap="none" rtlCol="0">
+            <a:spAutoFit/>
+          </a:bodyPr>
+          <a:lstStyle/>
+          <a:p>
+            <a:r>
+              <a:rPr lang="en-US" altLang="ko-KR" smtClean="0"/>
+              <a:t>ChangeTo</a:t>
+            </a:r>
+            <a:endParaRPr lang="ko-KR" altLang="en-US"/>
+          </a:p>
+        </p:txBody>
+      </p:sp>
     </p:spTree>
   </p:cSld>
   <p:clrMapOvr>
@@ -5112,7 +5297,7 @@
 </p:sld>
 </file>
 
-<file path=ppt/slides/slide2.xml><?xml version="1.0" encoding="utf-8"?>
+<file path=ppt/slides/slide3.xml><?xml version="1.0" encoding="utf-8"?>
 <p:sld xmlns:a="http://schemas.openxmlformats.org/drawingml/2006/main" xmlns:r="http://schemas.openxmlformats.org/officeDocument/2006/relationships" xmlns:p="http://schemas.openxmlformats.org/presentationml/2006/main">
   <p:cSld>
     <p:spTree>
@@ -5137,7 +5322,7 @@
         </p:nvSpPr>
         <p:spPr>
           <a:xfrm rot="10800000" flipV="1">
-            <a:off x="-3" y="1020383"/>
+            <a:off x="72007" y="1020383"/>
             <a:ext cx="4788645" cy="7277894"/>
           </a:xfrm>
           <a:prstGeom prst="rect">
@@ -5276,7 +5461,7 @@
         </p:nvSpPr>
         <p:spPr>
           <a:xfrm rot="10800000" flipV="1">
-            <a:off x="339358" y="680370"/>
+            <a:off x="411368" y="680370"/>
             <a:ext cx="4233262" cy="340111"/>
           </a:xfrm>
           <a:prstGeom prst="rect">
@@ -5408,31 +5593,7 @@
                   <a:schemeClr val="tx1"/>
                 </a:solidFill>
               </a:rPr>
-              <a:t>Create(aCanvas : </a:t>
-            </a:r>
-            <a:r>
-              <a:rPr lang="en-US" altLang="ko-KR" sz="1200" smtClean="0">
-                <a:solidFill>
-                  <a:schemeClr val="tx1"/>
-                </a:solidFill>
-              </a:rPr>
-              <a:t>TCanvas; aX</a:t>
-            </a:r>
-            <a:r>
-              <a:rPr lang="en-US" altLang="ko-KR" sz="1200" smtClean="0">
-                <a:solidFill>
-                  <a:schemeClr val="tx1"/>
-                </a:solidFill>
-              </a:rPr>
-              <a:t>, aY, aSize, </a:t>
-            </a:r>
-            <a:r>
-              <a:rPr lang="en-US" altLang="ko-KR" sz="1200" smtClean="0">
-                <a:solidFill>
-                  <a:schemeClr val="tx1"/>
-                </a:solidFill>
-              </a:rPr>
-              <a:t>aKeepIterval : Int</a:t>
+              <a:t>Create(aCanvas : TCanvas; aX, aY, aSize, aKeepIterval : Int</a:t>
             </a:r>
             <a:endParaRPr lang="ko-KR" altLang="en-US" sz="1200" dirty="0">
               <a:solidFill>
@@ -5450,7 +5611,7 @@
         </p:nvSpPr>
         <p:spPr>
           <a:xfrm>
-            <a:off x="830463" y="1410741"/>
+            <a:off x="902473" y="1410741"/>
             <a:ext cx="1949414" cy="245667"/>
           </a:xfrm>
           <a:prstGeom prst="flowChartTerminator">
@@ -5597,7 +5758,7 @@
         </p:nvSpPr>
         <p:spPr>
           <a:xfrm>
-            <a:off x="718519" y="7632897"/>
+            <a:off x="790529" y="7632897"/>
             <a:ext cx="2150420" cy="288207"/>
           </a:xfrm>
           <a:prstGeom prst="flowChartTerminator">
@@ -5744,7 +5905,7 @@
         </p:nvSpPr>
         <p:spPr>
           <a:xfrm rot="10800000" flipV="1">
-            <a:off x="646399" y="2520504"/>
+            <a:off x="718409" y="2520504"/>
             <a:ext cx="2292402" cy="1499101"/>
           </a:xfrm>
           <a:prstGeom prst="rect">
@@ -5906,66 +6067,29 @@
                   <a:schemeClr val="tx1"/>
                 </a:solidFill>
               </a:rPr>
-              <a:t>  fSize = </a:t>
-            </a:r>
+              <a:t>  fSize = aSize * 1000</a:t>
+            </a:r>
+          </a:p>
+          <a:p>
+            <a:pPr algn="ctr"/>
             <a:r>
               <a:rPr lang="en-US" altLang="ko-KR" sz="1200" smtClean="0">
                 <a:solidFill>
                   <a:schemeClr val="tx1"/>
                 </a:solidFill>
               </a:rPr>
-              <a:t>aSize * </a:t>
-            </a:r>
+              <a:t>fKeepInterval = aInterval </a:t>
+            </a:r>
+          </a:p>
+          <a:p>
+            <a:pPr algn="ctr"/>
             <a:r>
               <a:rPr lang="en-US" altLang="ko-KR" sz="1200" smtClean="0">
                 <a:solidFill>
                   <a:schemeClr val="tx1"/>
                 </a:solidFill>
               </a:rPr>
-              <a:t>1000</a:t>
-            </a:r>
-          </a:p>
-          <a:p>
-            <a:pPr algn="ctr"/>
-            <a:r>
-              <a:rPr lang="en-US" altLang="ko-KR" sz="1200" smtClean="0">
-                <a:solidFill>
-                  <a:schemeClr val="tx1"/>
-                </a:solidFill>
-              </a:rPr>
-              <a:t>fKeepInterval = </a:t>
-            </a:r>
-            <a:r>
-              <a:rPr lang="en-US" altLang="ko-KR" sz="1200" smtClean="0">
-                <a:solidFill>
-                  <a:schemeClr val="tx1"/>
-                </a:solidFill>
-              </a:rPr>
-              <a:t>aInterval </a:t>
-            </a:r>
-            <a:endParaRPr lang="en-US" altLang="ko-KR" sz="1200" smtClean="0">
-              <a:solidFill>
-                <a:schemeClr val="tx1"/>
-              </a:solidFill>
-            </a:endParaRPr>
-          </a:p>
-          <a:p>
-            <a:pPr algn="ctr"/>
-            <a:r>
-              <a:rPr lang="en-US" altLang="ko-KR" sz="1200" smtClean="0">
-                <a:solidFill>
-                  <a:schemeClr val="tx1"/>
-                </a:solidFill>
-              </a:rPr>
-              <a:t>fUp </a:t>
-            </a:r>
-            <a:r>
-              <a:rPr lang="en-US" altLang="ko-KR" sz="1200" smtClean="0">
-                <a:solidFill>
-                  <a:schemeClr val="tx1"/>
-                </a:solidFill>
-              </a:rPr>
-              <a:t>= True</a:t>
+              <a:t>fUp = True</a:t>
             </a:r>
           </a:p>
           <a:p>
@@ -5987,15 +6111,7 @@
                   <a:schemeClr val="tx1"/>
                 </a:solidFill>
               </a:rPr>
-              <a:t>fTimer = TTimer.Create(nil</a:t>
-            </a:r>
-            <a:r>
-              <a:rPr lang="en-US" altLang="ko-KR" sz="1200" smtClean="0">
-                <a:solidFill>
-                  <a:schemeClr val="tx1"/>
-                </a:solidFill>
-              </a:rPr>
-              <a:t>)</a:t>
+              <a:t>fTimer = TTimer.Create(nil)</a:t>
             </a:r>
           </a:p>
         </p:txBody>
@@ -6008,7 +6124,7 @@
         </p:nvSpPr>
         <p:spPr>
           <a:xfrm rot="10800000" flipV="1">
-            <a:off x="642335" y="4320704"/>
+            <a:off x="714345" y="4320704"/>
             <a:ext cx="2292402" cy="343104"/>
           </a:xfrm>
           <a:prstGeom prst="rect">
@@ -6166,7 +6282,7 @@
         </p:nvSpPr>
         <p:spPr>
           <a:xfrm rot="10800000" flipV="1">
-            <a:off x="2159994" y="5467096"/>
+            <a:off x="2232004" y="5467096"/>
             <a:ext cx="2412626" cy="1044631"/>
           </a:xfrm>
           <a:prstGeom prst="rect">
@@ -6330,7 +6446,7 @@
         </p:nvSpPr>
         <p:spPr>
           <a:xfrm>
-            <a:off x="636935" y="5000582"/>
+            <a:off x="708945" y="5000582"/>
             <a:ext cx="2301866" cy="428184"/>
           </a:xfrm>
           <a:prstGeom prst="flowChartDecision">
@@ -6477,7 +6593,7 @@
         </p:nvSpPr>
         <p:spPr>
           <a:xfrm>
-            <a:off x="2807367" y="5000582"/>
+            <a:off x="2879377" y="5000582"/>
             <a:ext cx="283856" cy="184666"/>
           </a:xfrm>
           <a:prstGeom prst="rect">
@@ -6601,7 +6717,7 @@
         </p:nvSpPr>
         <p:spPr>
           <a:xfrm>
-            <a:off x="1398817" y="5431526"/>
+            <a:off x="1470827" y="5431526"/>
             <a:ext cx="215108" cy="184666"/>
           </a:xfrm>
           <a:prstGeom prst="rect">
@@ -6728,7 +6844,7 @@
         </p:nvCxnSpPr>
         <p:spPr>
           <a:xfrm>
-            <a:off x="2938801" y="5214674"/>
+            <a:off x="3010811" y="5214674"/>
             <a:ext cx="427506" cy="252422"/>
           </a:xfrm>
           <a:prstGeom prst="bentConnector2">
@@ -6764,7 +6880,7 @@
         </p:nvCxnSpPr>
         <p:spPr>
           <a:xfrm flipH="1">
-            <a:off x="1788536" y="4019605"/>
+            <a:off x="1860546" y="4019605"/>
             <a:ext cx="4064" cy="301099"/>
           </a:xfrm>
           <a:prstGeom prst="straightConnector1">
@@ -6800,7 +6916,7 @@
         </p:nvCxnSpPr>
         <p:spPr>
           <a:xfrm flipH="1">
-            <a:off x="1787868" y="4663808"/>
+            <a:off x="1859878" y="4663808"/>
             <a:ext cx="668" cy="336774"/>
           </a:xfrm>
           <a:prstGeom prst="straightConnector1">
@@ -6833,7 +6949,7 @@
         </p:nvSpPr>
         <p:spPr>
           <a:xfrm rot="10800000" flipV="1">
-            <a:off x="1327732" y="7087915"/>
+            <a:off x="1399742" y="7087915"/>
             <a:ext cx="921604" cy="343104"/>
           </a:xfrm>
           <a:prstGeom prst="rect">
@@ -6983,7 +7099,7 @@
         </p:nvCxnSpPr>
         <p:spPr>
           <a:xfrm>
-            <a:off x="1787868" y="5428766"/>
+            <a:off x="1859878" y="5428766"/>
             <a:ext cx="666" cy="1659149"/>
           </a:xfrm>
           <a:prstGeom prst="straightConnector1">
@@ -7019,7 +7135,7 @@
         </p:nvCxnSpPr>
         <p:spPr>
           <a:xfrm>
-            <a:off x="1788534" y="7431019"/>
+            <a:off x="1860544" y="7431019"/>
             <a:ext cx="5195" cy="201878"/>
           </a:xfrm>
           <a:prstGeom prst="straightConnector1">
@@ -7054,7 +7170,7 @@
         </p:nvCxnSpPr>
         <p:spPr>
           <a:xfrm rot="5400000">
-            <a:off x="2431802" y="5865430"/>
+            <a:off x="2503812" y="5865430"/>
             <a:ext cx="288208" cy="1580803"/>
           </a:xfrm>
           <a:prstGeom prst="bentConnector2">
@@ -7090,7 +7206,7 @@
         </p:nvCxnSpPr>
         <p:spPr>
           <a:xfrm flipH="1">
-            <a:off x="1798396" y="1656408"/>
+            <a:off x="1870406" y="1656408"/>
             <a:ext cx="6774" cy="288032"/>
           </a:xfrm>
           <a:prstGeom prst="straightConnector1">
@@ -10787,7 +10903,7 @@
         </p:nvSpPr>
         <p:spPr>
           <a:xfrm>
-            <a:off x="8103031" y="5640734"/>
+            <a:off x="8125331" y="5246860"/>
             <a:ext cx="266480" cy="184666"/>
           </a:xfrm>
           <a:prstGeom prst="rect">
@@ -16249,11 +16365,6 @@
               </a:rPr>
               <a:t>MainForm.CheckCrashOther(fIndex)</a:t>
             </a:r>
-            <a:endParaRPr lang="en-US" altLang="ko-KR" sz="1200" smtClean="0">
-              <a:solidFill>
-                <a:schemeClr val="tx1"/>
-              </a:solidFill>
-            </a:endParaRPr>
           </a:p>
         </p:txBody>
       </p:sp>
@@ -16448,7 +16559,7 @@
         </p:nvSpPr>
         <p:spPr>
           <a:xfrm rot="10800000" flipV="1">
-            <a:off x="551462" y="1944440"/>
+            <a:off x="623472" y="1944440"/>
             <a:ext cx="2493869" cy="343104"/>
           </a:xfrm>
           <a:prstGeom prst="rect">
@@ -16577,164 +16688,33 @@
                   <a:schemeClr val="tx1"/>
                 </a:solidFill>
               </a:rPr>
-              <a:t>aTemp =MainForm.fObjList.add(Self)</a:t>
-            </a:r>
-          </a:p>
-          <a:p>
-            <a:pPr algn="ctr"/>
+              <a:t>fIndex</a:t>
+            </a:r>
             <a:r>
               <a:rPr lang="en-US" altLang="ko-KR" sz="1200" smtClean="0">
                 <a:solidFill>
                   <a:schemeClr val="tx1"/>
                 </a:solidFill>
               </a:rPr>
-              <a:t>fIndex = aTemp</a:t>
-            </a:r>
-          </a:p>
-        </p:txBody>
-      </p:sp>
-      <p:sp>
-        <p:nvSpPr>
-          <p:cNvPr id="243" name="직사각형 242"/>
-          <p:cNvSpPr/>
-          <p:nvPr/>
-        </p:nvSpPr>
-        <p:spPr>
-          <a:xfrm rot="10800000" flipV="1">
-            <a:off x="36116" y="1002825"/>
-            <a:ext cx="4233262" cy="340111"/>
-          </a:xfrm>
-          <a:prstGeom prst="rect">
-            <a:avLst/>
-          </a:prstGeom>
-          <a:noFill/>
-          <a:ln>
-            <a:noFill/>
-          </a:ln>
-        </p:spPr>
-        <p:style>
-          <a:lnRef idx="2">
-            <a:schemeClr val="accent1">
-              <a:shade val="50000"/>
-            </a:schemeClr>
-          </a:lnRef>
-          <a:fillRef idx="1">
-            <a:schemeClr val="accent1"/>
-          </a:fillRef>
-          <a:effectRef idx="0">
-            <a:schemeClr val="accent1"/>
-          </a:effectRef>
-          <a:fontRef idx="minor">
-            <a:schemeClr val="lt1"/>
-          </a:fontRef>
-        </p:style>
-        <p:txBody>
-          <a:bodyPr lIns="0" tIns="0" rIns="0" bIns="0" rtlCol="0" anchor="ctr"/>
-          <a:lstStyle>
-            <a:defPPr>
-              <a:defRPr lang="ko-KR"/>
-            </a:defPPr>
-            <a:lvl1pPr marL="0" algn="l" defTabSz="914400" rtl="0" eaLnBrk="1" latinLnBrk="1" hangingPunct="1">
-              <a:defRPr sz="1800" kern="1200">
-                <a:solidFill>
-                  <a:schemeClr val="lt1"/>
-                </a:solidFill>
-                <a:latin typeface="+mn-lt"/>
-                <a:ea typeface="+mn-ea"/>
-                <a:cs typeface="+mn-cs"/>
-              </a:defRPr>
-            </a:lvl1pPr>
-            <a:lvl2pPr marL="457200" algn="l" defTabSz="914400" rtl="0" eaLnBrk="1" latinLnBrk="1" hangingPunct="1">
-              <a:defRPr sz="1800" kern="1200">
-                <a:solidFill>
-                  <a:schemeClr val="lt1"/>
-                </a:solidFill>
-                <a:latin typeface="+mn-lt"/>
-                <a:ea typeface="+mn-ea"/>
-                <a:cs typeface="+mn-cs"/>
-              </a:defRPr>
-            </a:lvl2pPr>
-            <a:lvl3pPr marL="914400" algn="l" defTabSz="914400" rtl="0" eaLnBrk="1" latinLnBrk="1" hangingPunct="1">
-              <a:defRPr sz="1800" kern="1200">
-                <a:solidFill>
-                  <a:schemeClr val="lt1"/>
-                </a:solidFill>
-                <a:latin typeface="+mn-lt"/>
-                <a:ea typeface="+mn-ea"/>
-                <a:cs typeface="+mn-cs"/>
-              </a:defRPr>
-            </a:lvl3pPr>
-            <a:lvl4pPr marL="1371600" algn="l" defTabSz="914400" rtl="0" eaLnBrk="1" latinLnBrk="1" hangingPunct="1">
-              <a:defRPr sz="1800" kern="1200">
-                <a:solidFill>
-                  <a:schemeClr val="lt1"/>
-                </a:solidFill>
-                <a:latin typeface="+mn-lt"/>
-                <a:ea typeface="+mn-ea"/>
-                <a:cs typeface="+mn-cs"/>
-              </a:defRPr>
-            </a:lvl4pPr>
-            <a:lvl5pPr marL="1828800" algn="l" defTabSz="914400" rtl="0" eaLnBrk="1" latinLnBrk="1" hangingPunct="1">
-              <a:defRPr sz="1800" kern="1200">
-                <a:solidFill>
-                  <a:schemeClr val="lt1"/>
-                </a:solidFill>
-                <a:latin typeface="+mn-lt"/>
-                <a:ea typeface="+mn-ea"/>
-                <a:cs typeface="+mn-cs"/>
-              </a:defRPr>
-            </a:lvl5pPr>
-            <a:lvl6pPr marL="2286000" algn="l" defTabSz="914400" rtl="0" eaLnBrk="1" latinLnBrk="1" hangingPunct="1">
-              <a:defRPr sz="1800" kern="1200">
-                <a:solidFill>
-                  <a:schemeClr val="lt1"/>
-                </a:solidFill>
-                <a:latin typeface="+mn-lt"/>
-                <a:ea typeface="+mn-ea"/>
-                <a:cs typeface="+mn-cs"/>
-              </a:defRPr>
-            </a:lvl6pPr>
-            <a:lvl7pPr marL="2743200" algn="l" defTabSz="914400" rtl="0" eaLnBrk="1" latinLnBrk="1" hangingPunct="1">
-              <a:defRPr sz="1800" kern="1200">
-                <a:solidFill>
-                  <a:schemeClr val="lt1"/>
-                </a:solidFill>
-                <a:latin typeface="+mn-lt"/>
-                <a:ea typeface="+mn-ea"/>
-                <a:cs typeface="+mn-cs"/>
-              </a:defRPr>
-            </a:lvl7pPr>
-            <a:lvl8pPr marL="3200400" algn="l" defTabSz="914400" rtl="0" eaLnBrk="1" latinLnBrk="1" hangingPunct="1">
-              <a:defRPr sz="1800" kern="1200">
-                <a:solidFill>
-                  <a:schemeClr val="lt1"/>
-                </a:solidFill>
-                <a:latin typeface="+mn-lt"/>
-                <a:ea typeface="+mn-ea"/>
-                <a:cs typeface="+mn-cs"/>
-              </a:defRPr>
-            </a:lvl8pPr>
-            <a:lvl9pPr marL="3657600" algn="l" defTabSz="914400" rtl="0" eaLnBrk="1" latinLnBrk="1" hangingPunct="1">
-              <a:defRPr sz="1800" kern="1200">
-                <a:solidFill>
-                  <a:schemeClr val="lt1"/>
-                </a:solidFill>
-                <a:latin typeface="+mn-lt"/>
-                <a:ea typeface="+mn-ea"/>
-                <a:cs typeface="+mn-cs"/>
-              </a:defRPr>
-            </a:lvl9pPr>
-          </a:lstStyle>
-          <a:p>
+              <a:t> </a:t>
+            </a:r>
             <a:r>
               <a:rPr lang="en-US" altLang="ko-KR" sz="1200" smtClean="0">
                 <a:solidFill>
                   <a:schemeClr val="tx1"/>
                 </a:solidFill>
               </a:rPr>
-              <a:t>aTemp :Int</a:t>
-            </a:r>
-            <a:endParaRPr lang="ko-KR" altLang="en-US" sz="1200" dirty="0">
+              <a:t>=MainForm.fObjList.add(Self</a:t>
+            </a:r>
+            <a:r>
+              <a:rPr lang="en-US" altLang="ko-KR" sz="1200" smtClean="0">
+                <a:solidFill>
+                  <a:schemeClr val="tx1"/>
+                </a:solidFill>
+              </a:rPr>
+              <a:t>)</a:t>
+            </a:r>
+            <a:endParaRPr lang="en-US" altLang="ko-KR" sz="1200" smtClean="0">
               <a:solidFill>
                 <a:schemeClr val="tx1"/>
               </a:solidFill>
@@ -16879,23 +16859,7 @@
                   <a:schemeClr val="tx1"/>
                 </a:solidFill>
               </a:rPr>
-              <a:t>fObjList[fIndex] </a:t>
-            </a:r>
-            <a:r>
-              <a:rPr lang="en-US" altLang="ko-KR" sz="1200" smtClean="0">
-                <a:solidFill>
-                  <a:schemeClr val="tx1"/>
-                </a:solidFill>
-              </a:rPr>
-              <a:t>= </a:t>
-            </a:r>
-            <a:r>
-              <a:rPr lang="en-US" altLang="ko-KR" sz="1200" smtClean="0">
-                <a:solidFill>
-                  <a:schemeClr val="tx1"/>
-                </a:solidFill>
-              </a:rPr>
-              <a:t>null</a:t>
+              <a:t>fObjList[fIndex] = null</a:t>
             </a:r>
             <a:endParaRPr lang="ko-KR" altLang="en-US" sz="1200" dirty="0">
               <a:solidFill>
@@ -17042,15 +17006,7 @@
                   <a:schemeClr val="tx1"/>
                 </a:solidFill>
               </a:rPr>
-              <a:t>MainForm.fObjList[fIndex</a:t>
-            </a:r>
-            <a:r>
-              <a:rPr lang="en-US" altLang="ko-KR" sz="1200" smtClean="0">
-                <a:solidFill>
-                  <a:schemeClr val="tx1"/>
-                </a:solidFill>
-              </a:rPr>
-              <a:t>] &lt;&gt; null</a:t>
+              <a:t>MainForm.fObjList[fIndex] &lt;&gt; null</a:t>
             </a:r>
             <a:endParaRPr lang="ko-KR" altLang="en-US" sz="1200" dirty="0">
               <a:solidFill>
@@ -17817,7 +17773,7 @@
         </p:nvCxnSpPr>
         <p:spPr>
           <a:xfrm flipH="1">
-            <a:off x="1792600" y="2287544"/>
+            <a:off x="1864610" y="2287544"/>
             <a:ext cx="5796" cy="232960"/>
           </a:xfrm>
           <a:prstGeom prst="straightConnector1">
@@ -17842,6 +17798,193 @@
           </a:fontRef>
         </p:style>
       </p:cxnSp>
+      <p:cxnSp>
+        <p:nvCxnSpPr>
+          <p:cNvPr id="177" name="직선 화살표 연결선 176"/>
+          <p:cNvCxnSpPr/>
+          <p:nvPr/>
+        </p:nvCxnSpPr>
+        <p:spPr>
+          <a:xfrm>
+            <a:off x="7524948" y="2520504"/>
+            <a:ext cx="934085" cy="159063"/>
+          </a:xfrm>
+          <a:prstGeom prst="straightConnector1">
+            <a:avLst/>
+          </a:prstGeom>
+          <a:ln>
+            <a:tailEnd type="arrow"/>
+          </a:ln>
+        </p:spPr>
+        <p:style>
+          <a:lnRef idx="1">
+            <a:schemeClr val="accent1"/>
+          </a:lnRef>
+          <a:fillRef idx="0">
+            <a:schemeClr val="accent1"/>
+          </a:fillRef>
+          <a:effectRef idx="0">
+            <a:schemeClr val="accent1"/>
+          </a:effectRef>
+          <a:fontRef idx="minor">
+            <a:schemeClr val="tx1"/>
+          </a:fontRef>
+        </p:style>
+      </p:cxnSp>
+      <p:sp>
+        <p:nvSpPr>
+          <p:cNvPr id="200" name="TextBox 199"/>
+          <p:cNvSpPr txBox="1"/>
+          <p:nvPr/>
+        </p:nvSpPr>
+        <p:spPr>
+          <a:xfrm>
+            <a:off x="7884988" y="2736528"/>
+            <a:ext cx="2343911" cy="369332"/>
+          </a:xfrm>
+          <a:prstGeom prst="rect">
+            <a:avLst/>
+          </a:prstGeom>
+          <a:noFill/>
+        </p:spPr>
+        <p:txBody>
+          <a:bodyPr wrap="none" rtlCol="0">
+            <a:spAutoFit/>
+          </a:bodyPr>
+          <a:lstStyle/>
+          <a:p>
+            <a:r>
+              <a:rPr lang="ko-KR" altLang="en-US" smtClean="0"/>
+              <a:t>메인폼정보얘는 몰라</a:t>
+            </a:r>
+            <a:endParaRPr lang="ko-KR" altLang="en-US"/>
+          </a:p>
+        </p:txBody>
+      </p:sp>
+      <p:sp>
+        <p:nvSpPr>
+          <p:cNvPr id="214" name="TextBox 213"/>
+          <p:cNvSpPr txBox="1"/>
+          <p:nvPr/>
+        </p:nvSpPr>
+        <p:spPr>
+          <a:xfrm>
+            <a:off x="14437716" y="7310980"/>
+            <a:ext cx="2707793" cy="1200329"/>
+          </a:xfrm>
+          <a:prstGeom prst="rect">
+            <a:avLst/>
+          </a:prstGeom>
+          <a:noFill/>
+        </p:spPr>
+        <p:txBody>
+          <a:bodyPr wrap="none" rtlCol="0">
+            <a:spAutoFit/>
+          </a:bodyPr>
+          <a:lstStyle/>
+          <a:p>
+            <a:r>
+              <a:rPr lang="en-US" altLang="ko-KR" smtClean="0"/>
+              <a:t>Up</a:t>
+            </a:r>
+            <a:r>
+              <a:rPr lang="ko-KR" altLang="en-US" smtClean="0"/>
+              <a:t>을 두곳에서</a:t>
+            </a:r>
+            <a:endParaRPr lang="en-US" altLang="ko-KR" smtClean="0"/>
+          </a:p>
+          <a:p>
+            <a:r>
+              <a:rPr lang="ko-KR" altLang="en-US" smtClean="0"/>
+              <a:t>컨트롤하지</a:t>
+            </a:r>
+            <a:r>
+              <a:rPr lang="en-US" altLang="ko-KR" smtClean="0"/>
+              <a:t>..</a:t>
+            </a:r>
+          </a:p>
+          <a:p>
+            <a:r>
+              <a:rPr lang="ko-KR" altLang="en-US" smtClean="0"/>
+              <a:t>이거 안돼</a:t>
+            </a:r>
+            <a:r>
+              <a:rPr lang="en-US" altLang="ko-KR" smtClean="0"/>
+              <a:t>...</a:t>
+            </a:r>
+          </a:p>
+          <a:p>
+            <a:r>
+              <a:rPr lang="ko-KR" altLang="en-US" smtClean="0"/>
+              <a:t>일단 이부분은 버려야돼</a:t>
+            </a:r>
+            <a:r>
+              <a:rPr lang="en-US" altLang="ko-KR" smtClean="0"/>
+              <a:t>.</a:t>
+            </a:r>
+            <a:endParaRPr lang="ko-KR" altLang="en-US"/>
+          </a:p>
+        </p:txBody>
+      </p:sp>
+      <p:sp>
+        <p:nvSpPr>
+          <p:cNvPr id="215" name="TextBox 214"/>
+          <p:cNvSpPr txBox="1"/>
+          <p:nvPr/>
+        </p:nvSpPr>
+        <p:spPr>
+          <a:xfrm>
+            <a:off x="7713872" y="4690650"/>
+            <a:ext cx="2906245" cy="646331"/>
+          </a:xfrm>
+          <a:prstGeom prst="rect">
+            <a:avLst/>
+          </a:prstGeom>
+          <a:noFill/>
+        </p:spPr>
+        <p:txBody>
+          <a:bodyPr wrap="none" rtlCol="0">
+            <a:spAutoFit/>
+          </a:bodyPr>
+          <a:lstStyle/>
+          <a:p>
+            <a:r>
+              <a:rPr lang="ko-KR" altLang="en-US" smtClean="0"/>
+              <a:t>리턴값이</a:t>
+            </a:r>
+            <a:r>
+              <a:rPr lang="en-US" altLang="ko-KR" smtClean="0"/>
+              <a:t>,1,2,3,4</a:t>
+            </a:r>
+            <a:r>
+              <a:rPr lang="ko-KR" altLang="en-US" smtClean="0"/>
+              <a:t>가 오겠지</a:t>
+            </a:r>
+            <a:r>
+              <a:rPr lang="en-US" altLang="ko-KR" smtClean="0"/>
+              <a:t>.</a:t>
+            </a:r>
+          </a:p>
+          <a:p>
+            <a:r>
+              <a:rPr lang="ko-KR" altLang="en-US" smtClean="0"/>
+              <a:t>그럼 </a:t>
+            </a:r>
+            <a:r>
+              <a:rPr lang="en-US" altLang="ko-KR" smtClean="0"/>
+              <a:t>fUp,fLeft</a:t>
+            </a:r>
+            <a:r>
+              <a:rPr lang="ko-KR" altLang="en-US" smtClean="0"/>
+              <a:t>로 확인을해</a:t>
+            </a:r>
+            <a:r>
+              <a:rPr lang="en-US" altLang="ko-KR" smtClean="0"/>
+              <a:t>.</a:t>
+            </a:r>
+          </a:p>
+        </p:txBody>
+      </p:sp>
     </p:spTree>
   </p:cSld>
   <p:clrMapOvr>
@@ -17857,7 +18000,7 @@
 </p:sld>
 </file>
 
-<file path=ppt/slides/slide3.xml><?xml version="1.0" encoding="utf-8"?>
+<file path=ppt/slides/slide4.xml><?xml version="1.0" encoding="utf-8"?>
 <p:sld xmlns:a="http://schemas.openxmlformats.org/drawingml/2006/main" xmlns:r="http://schemas.openxmlformats.org/officeDocument/2006/relationships" xmlns:p="http://schemas.openxmlformats.org/presentationml/2006/main">
   <p:cSld>
     <p:spTree>
@@ -18494,7 +18637,6 @@
               <a:rPr lang="en-US" altLang="ko-KR" sz="1400" smtClean="0"/>
               <a:t>fCheckCrashOther(aIndex : Int)</a:t>
             </a:r>
-            <a:endParaRPr lang="en-US" altLang="ko-KR" sz="1400" smtClean="0"/>
           </a:p>
         </p:txBody>
       </p:sp>
@@ -18953,13 +19095,16 @@
                   <a:schemeClr val="tx1"/>
                 </a:solidFill>
               </a:rPr>
-              <a:t>TCumtomDraw.ChangeTo(True)</a:t>
-            </a:r>
-            <a:endParaRPr lang="en-US" altLang="ko-KR" sz="1200" smtClean="0">
-              <a:solidFill>
-                <a:schemeClr val="tx1"/>
-              </a:solidFill>
-            </a:endParaRPr>
+              <a:t>aObj.ChangeTo(True</a:t>
+            </a:r>
+            <a:r>
+              <a:rPr lang="en-US" altLang="ko-KR" sz="1200" smtClean="0">
+                <a:solidFill>
+                  <a:schemeClr val="tx1"/>
+                </a:solidFill>
+              </a:rPr>
+              <a:t>)</a:t>
+            </a:r>
           </a:p>
         </p:txBody>
       </p:sp>
@@ -19118,7 +19263,7 @@
         </p:nvSpPr>
         <p:spPr>
           <a:xfrm>
-            <a:off x="8425888" y="4028842"/>
+            <a:off x="6342134" y="2735226"/>
             <a:ext cx="2479848" cy="520744"/>
           </a:xfrm>
           <a:prstGeom prst="flowChartDecision">
@@ -19389,21 +19534,8 @@
                   <a:schemeClr val="tx1"/>
                 </a:solidFill>
               </a:rPr>
-              <a:t>aDist &lt; aObj.Size </a:t>
-            </a:r>
-            <a:r>
-              <a:rPr lang="en-US" altLang="ko-KR" sz="1200" smtClean="0">
-                <a:solidFill>
-                  <a:schemeClr val="tx1"/>
-                </a:solidFill>
-              </a:rPr>
-              <a:t>+ aOtherObj.fSize</a:t>
-            </a:r>
-            <a:endParaRPr lang="en-US" altLang="ko-KR" sz="1200" smtClean="0">
-              <a:solidFill>
-                <a:schemeClr val="tx1"/>
-              </a:solidFill>
-            </a:endParaRPr>
+              <a:t>aDist &lt; aObj.Size + aOtherObj.fSize</a:t>
+            </a:r>
           </a:p>
         </p:txBody>
       </p:sp>
@@ -19544,47 +19676,80 @@
                   <a:schemeClr val="tx1"/>
                 </a:solidFill>
               </a:rPr>
-              <a:t>aDist= Sqrt(Sqr(aObj.fX - aOtherObj .fX) + Sqr(aObj.fY - OtherObj .fY))</a:t>
-            </a:r>
+              <a:t>aDist= </a:t>
+            </a:r>
+            <a:r>
+              <a:rPr lang="en-US" altLang="ko-KR" sz="1200" smtClean="0">
+                <a:solidFill>
+                  <a:schemeClr val="tx1"/>
+                </a:solidFill>
+              </a:rPr>
+              <a:t>Sqrt(Pow(aObj.fX </a:t>
+            </a:r>
+            <a:r>
+              <a:rPr lang="en-US" altLang="ko-KR" sz="1200" smtClean="0">
+                <a:solidFill>
+                  <a:schemeClr val="tx1"/>
+                </a:solidFill>
+              </a:rPr>
+              <a:t>- aOtherObj .</a:t>
+            </a:r>
+            <a:r>
+              <a:rPr lang="en-US" altLang="ko-KR" sz="1200" smtClean="0">
+                <a:solidFill>
+                  <a:schemeClr val="tx1"/>
+                </a:solidFill>
+              </a:rPr>
+              <a:t>fX),2) </a:t>
+            </a:r>
+            <a:r>
+              <a:rPr lang="en-US" altLang="ko-KR" sz="1200" smtClean="0">
+                <a:solidFill>
+                  <a:schemeClr val="tx1"/>
+                </a:solidFill>
+              </a:rPr>
+              <a:t>+ </a:t>
+            </a:r>
+            <a:endParaRPr lang="en-US" altLang="ko-KR" sz="1200" smtClean="0">
+              <a:solidFill>
+                <a:schemeClr val="tx1"/>
+              </a:solidFill>
+            </a:endParaRPr>
+          </a:p>
+          <a:p>
+            <a:pPr algn="ctr"/>
+            <a:r>
+              <a:rPr lang="en-US" altLang="ko-KR" sz="1200" smtClean="0">
+                <a:solidFill>
+                  <a:schemeClr val="tx1"/>
+                </a:solidFill>
+              </a:rPr>
+              <a:t>Pow((aObj.fY </a:t>
+            </a:r>
+            <a:r>
+              <a:rPr lang="en-US" altLang="ko-KR" sz="1200" smtClean="0">
+                <a:solidFill>
+                  <a:schemeClr val="tx1"/>
+                </a:solidFill>
+              </a:rPr>
+              <a:t>- </a:t>
+            </a:r>
+            <a:r>
+              <a:rPr lang="en-US" altLang="ko-KR" sz="1200" smtClean="0">
+                <a:solidFill>
+                  <a:schemeClr val="tx1"/>
+                </a:solidFill>
+              </a:rPr>
+              <a:t>OtherObj.fY), 2))</a:t>
+            </a:r>
+            <a:endParaRPr lang="en-US" altLang="ko-KR" sz="1200" smtClean="0">
+              <a:solidFill>
+                <a:schemeClr val="tx1"/>
+              </a:solidFill>
+            </a:endParaRPr>
           </a:p>
         </p:txBody>
       </p:sp>
-      <p:cxnSp>
-        <p:nvCxnSpPr>
-          <p:cNvPr id="82" name="Shape 150"/>
-          <p:cNvCxnSpPr>
-            <a:stCxn id="79" idx="3"/>
-            <a:endCxn id="81" idx="0"/>
-          </p:cNvCxnSpPr>
-          <p:nvPr/>
-        </p:nvCxnSpPr>
-        <p:spPr>
-          <a:xfrm>
-            <a:off x="10905736" y="4289214"/>
-            <a:ext cx="1493817" cy="332379"/>
-          </a:xfrm>
-          <a:prstGeom prst="bentConnector2">
-            <a:avLst/>
-          </a:prstGeom>
-          <a:ln>
-            <a:tailEnd type="arrow"/>
-          </a:ln>
-        </p:spPr>
-        <p:style>
-          <a:lnRef idx="1">
-            <a:schemeClr val="accent1"/>
-          </a:lnRef>
-          <a:fillRef idx="0">
-            <a:schemeClr val="accent1"/>
-          </a:fillRef>
-          <a:effectRef idx="0">
-            <a:schemeClr val="accent1"/>
-          </a:effectRef>
-          <a:fontRef idx="minor">
-            <a:schemeClr val="tx1"/>
-          </a:fontRef>
-        </p:style>
-      </p:cxnSp>
       <p:cxnSp>
         <p:nvCxnSpPr>
           <p:cNvPr id="83" name="직선 화살표 연결선 82"/>
@@ -19636,76 +19801,6 @@
             <a:ext cx="104" cy="560333"/>
           </a:xfrm>
           <a:prstGeom prst="bentConnector2">
-            <a:avLst/>
-          </a:prstGeom>
-          <a:ln>
-            <a:tailEnd type="arrow"/>
-          </a:ln>
-        </p:spPr>
-        <p:style>
-          <a:lnRef idx="1">
-            <a:schemeClr val="accent1"/>
-          </a:lnRef>
-          <a:fillRef idx="0">
-            <a:schemeClr val="accent1"/>
-          </a:fillRef>
-          <a:effectRef idx="0">
-            <a:schemeClr val="accent1"/>
-          </a:effectRef>
-          <a:fontRef idx="minor">
-            <a:schemeClr val="tx1"/>
-          </a:fontRef>
-        </p:style>
-      </p:cxnSp>
-      <p:cxnSp>
-        <p:nvCxnSpPr>
-          <p:cNvPr id="85" name="Shape 161"/>
-          <p:cNvCxnSpPr>
-            <a:stCxn id="77" idx="2"/>
-          </p:cNvCxnSpPr>
-          <p:nvPr/>
-        </p:nvCxnSpPr>
-        <p:spPr>
-          <a:xfrm rot="5400000">
-            <a:off x="10582247" y="4131406"/>
-            <a:ext cx="648073" cy="5516882"/>
-          </a:xfrm>
-          <a:prstGeom prst="bentConnector2">
-            <a:avLst/>
-          </a:prstGeom>
-          <a:ln>
-            <a:tailEnd type="arrow"/>
-          </a:ln>
-        </p:spPr>
-        <p:style>
-          <a:lnRef idx="1">
-            <a:schemeClr val="accent1"/>
-          </a:lnRef>
-          <a:fillRef idx="0">
-            <a:schemeClr val="accent1"/>
-          </a:fillRef>
-          <a:effectRef idx="0">
-            <a:schemeClr val="accent1"/>
-          </a:effectRef>
-          <a:fontRef idx="minor">
-            <a:schemeClr val="tx1"/>
-          </a:fontRef>
-        </p:style>
-      </p:cxnSp>
-      <p:cxnSp>
-        <p:nvCxnSpPr>
-          <p:cNvPr id="86" name="직선 화살표 연결선 85"/>
-          <p:cNvCxnSpPr>
-            <a:stCxn id="80" idx="2"/>
-          </p:cNvCxnSpPr>
-          <p:nvPr/>
-        </p:nvCxnSpPr>
-        <p:spPr>
-          <a:xfrm>
-            <a:off x="12393774" y="5862418"/>
-            <a:ext cx="20803" cy="1351464"/>
-          </a:xfrm>
-          <a:prstGeom prst="straightConnector1">
             <a:avLst/>
           </a:prstGeom>
           <a:ln>
@@ -20267,7 +20362,7 @@
         </p:nvSpPr>
         <p:spPr>
           <a:xfrm>
-            <a:off x="6620536" y="3476353"/>
+            <a:off x="7797844" y="3939891"/>
             <a:ext cx="3054612" cy="520744"/>
           </a:xfrm>
           <a:prstGeom prst="flowChartDecision">
@@ -20401,42 +20496,6 @@
           </a:p>
         </p:txBody>
       </p:sp>
-      <p:cxnSp>
-        <p:nvCxnSpPr>
-          <p:cNvPr id="93" name="직선 화살표 연결선 92"/>
-          <p:cNvCxnSpPr>
-            <a:stCxn id="92" idx="3"/>
-            <a:endCxn id="79" idx="0"/>
-          </p:cNvCxnSpPr>
-          <p:nvPr/>
-        </p:nvCxnSpPr>
-        <p:spPr>
-          <a:xfrm flipH="1">
-            <a:off x="9665812" y="3736725"/>
-            <a:ext cx="9336" cy="292117"/>
-          </a:xfrm>
-          <a:prstGeom prst="straightConnector1">
-            <a:avLst/>
-          </a:prstGeom>
-          <a:ln>
-            <a:tailEnd type="arrow"/>
-          </a:ln>
-        </p:spPr>
-        <p:style>
-          <a:lnRef idx="1">
-            <a:schemeClr val="accent1"/>
-          </a:lnRef>
-          <a:fillRef idx="0">
-            <a:schemeClr val="accent1"/>
-          </a:fillRef>
-          <a:effectRef idx="0">
-            <a:schemeClr val="accent1"/>
-          </a:effectRef>
-          <a:fontRef idx="minor">
-            <a:schemeClr val="tx1"/>
-          </a:fontRef>
-        </p:style>
-      </p:cxnSp>
       <p:sp>
         <p:nvSpPr>
           <p:cNvPr id="94" name="TextBox 98"/>
@@ -20445,7 +20504,7 @@
         </p:nvSpPr>
         <p:spPr>
           <a:xfrm>
-            <a:off x="9325150" y="3476353"/>
+            <a:off x="8683630" y="3056599"/>
             <a:ext cx="276704" cy="184666"/>
           </a:xfrm>
           <a:prstGeom prst="rect">
@@ -20569,7 +20628,7 @@
         </p:nvSpPr>
         <p:spPr>
           <a:xfrm>
-            <a:off x="7805843" y="4062297"/>
+            <a:off x="7585936" y="3293512"/>
             <a:ext cx="209687" cy="127249"/>
           </a:xfrm>
           <a:prstGeom prst="rect">
@@ -20696,8 +20755,8 @@
         </p:nvCxnSpPr>
         <p:spPr>
           <a:xfrm>
-            <a:off x="8147841" y="3131087"/>
-            <a:ext cx="1" cy="345266"/>
+            <a:off x="9317583" y="3687406"/>
+            <a:ext cx="7567" cy="252485"/>
           </a:xfrm>
           <a:prstGeom prst="straightConnector1">
             <a:avLst/>
@@ -20731,43 +20790,8 @@
         </p:nvCxnSpPr>
         <p:spPr>
           <a:xfrm>
-            <a:off x="8147842" y="3997097"/>
-            <a:ext cx="4632" cy="3463269"/>
-          </a:xfrm>
-          <a:prstGeom prst="straightConnector1">
-            <a:avLst/>
-          </a:prstGeom>
-          <a:ln>
-            <a:tailEnd type="arrow"/>
-          </a:ln>
-        </p:spPr>
-        <p:style>
-          <a:lnRef idx="1">
-            <a:schemeClr val="accent1"/>
-          </a:lnRef>
-          <a:fillRef idx="0">
-            <a:schemeClr val="accent1"/>
-          </a:fillRef>
-          <a:effectRef idx="0">
-            <a:schemeClr val="accent1"/>
-          </a:effectRef>
-          <a:fontRef idx="minor">
-            <a:schemeClr val="tx1"/>
-          </a:fontRef>
-        </p:style>
-      </p:cxnSp>
-      <p:cxnSp>
-        <p:nvCxnSpPr>
-          <p:cNvPr id="98" name="직선 화살표 연결선 97"/>
-          <p:cNvCxnSpPr>
-            <a:stCxn id="79" idx="2"/>
-          </p:cNvCxnSpPr>
-          <p:nvPr/>
-        </p:nvCxnSpPr>
-        <p:spPr>
-          <a:xfrm>
-            <a:off x="9665812" y="4549586"/>
-            <a:ext cx="0" cy="2664296"/>
+            <a:off x="9325150" y="4460635"/>
+            <a:ext cx="4632" cy="2740389"/>
           </a:xfrm>
           <a:prstGeom prst="straightConnector1">
             <a:avLst/>
@@ -20799,7 +20823,7 @@
         </p:nvSpPr>
         <p:spPr>
           <a:xfrm rot="10800000" flipV="1">
-            <a:off x="7067618" y="2900289"/>
+            <a:off x="8237360" y="3456608"/>
             <a:ext cx="2160447" cy="230798"/>
           </a:xfrm>
           <a:prstGeom prst="rect">
@@ -20928,15 +20952,7 @@
                   <a:schemeClr val="tx1"/>
                 </a:solidFill>
               </a:rPr>
-              <a:t>aOtherObj = </a:t>
-            </a:r>
-            <a:r>
-              <a:rPr lang="en-US" altLang="ko-KR" sz="1200" smtClean="0">
-                <a:solidFill>
-                  <a:schemeClr val="tx1"/>
-                </a:solidFill>
-              </a:rPr>
-              <a:t>fObjList[i]</a:t>
+              <a:t>aOtherObj = fObjList[i]</a:t>
             </a:r>
             <a:endParaRPr lang="en-US" altLang="ko-KR" sz="1200" dirty="0" smtClean="0">
               <a:solidFill>
@@ -20946,41 +20962,6 @@
           </a:p>
         </p:txBody>
       </p:sp>
-      <p:cxnSp>
-        <p:nvCxnSpPr>
-          <p:cNvPr id="100" name="직선 화살표 연결선 99"/>
-          <p:cNvCxnSpPr>
-            <a:endCxn id="99" idx="0"/>
-          </p:cNvCxnSpPr>
-          <p:nvPr/>
-        </p:nvCxnSpPr>
-        <p:spPr>
-          <a:xfrm flipH="1">
-            <a:off x="8147841" y="2437695"/>
-            <a:ext cx="4633" cy="462594"/>
-          </a:xfrm>
-          <a:prstGeom prst="straightConnector1">
-            <a:avLst/>
-          </a:prstGeom>
-          <a:ln>
-            <a:tailEnd type="arrow"/>
-          </a:ln>
-        </p:spPr>
-        <p:style>
-          <a:lnRef idx="1">
-            <a:schemeClr val="accent1"/>
-          </a:lnRef>
-          <a:fillRef idx="0">
-            <a:schemeClr val="accent1"/>
-          </a:fillRef>
-          <a:effectRef idx="0">
-            <a:schemeClr val="accent1"/>
-          </a:effectRef>
-          <a:fontRef idx="minor">
-            <a:schemeClr val="tx1"/>
-          </a:fontRef>
-        </p:style>
-      </p:cxnSp>
       <p:sp>
         <p:nvSpPr>
           <p:cNvPr id="102" name="순서도: 수행의 시작/종료 101"/>
@@ -20989,7 +20970,7 @@
         </p:nvSpPr>
         <p:spPr>
           <a:xfrm>
-            <a:off x="9328995" y="8415262"/>
+            <a:off x="9328995" y="7993112"/>
             <a:ext cx="2137830" cy="245667"/>
           </a:xfrm>
           <a:prstGeom prst="flowChartTerminator">
@@ -21420,7 +21401,7 @@
         <p:spPr>
           <a:xfrm rot="10800000" flipV="1">
             <a:off x="5364709" y="1028081"/>
-            <a:ext cx="10153128" cy="7704856"/>
+            <a:ext cx="10153128" cy="7397079"/>
           </a:xfrm>
           <a:prstGeom prst="rect">
             <a:avLst/>
@@ -21550,42 +21531,6 @@
           </a:p>
         </p:txBody>
       </p:sp>
-      <p:cxnSp>
-        <p:nvCxnSpPr>
-          <p:cNvPr id="113" name="직선 화살표 연결선 112"/>
-          <p:cNvCxnSpPr>
-            <a:stCxn id="135" idx="2"/>
-            <a:endCxn id="102" idx="0"/>
-          </p:cNvCxnSpPr>
-          <p:nvPr/>
-        </p:nvCxnSpPr>
-        <p:spPr>
-          <a:xfrm>
-            <a:off x="10397890" y="8027631"/>
-            <a:ext cx="20" cy="387631"/>
-          </a:xfrm>
-          <a:prstGeom prst="straightConnector1">
-            <a:avLst/>
-          </a:prstGeom>
-          <a:ln>
-            <a:tailEnd type="arrow"/>
-          </a:ln>
-        </p:spPr>
-        <p:style>
-          <a:lnRef idx="1">
-            <a:schemeClr val="accent1"/>
-          </a:lnRef>
-          <a:fillRef idx="0">
-            <a:schemeClr val="accent1"/>
-          </a:fillRef>
-          <a:effectRef idx="0">
-            <a:schemeClr val="accent1"/>
-          </a:effectRef>
-          <a:fontRef idx="minor">
-            <a:schemeClr val="tx1"/>
-          </a:fontRef>
-        </p:style>
-      </p:cxnSp>
       <p:sp>
         <p:nvSpPr>
           <p:cNvPr id="120" name="순서도: 수행의 시작/종료 119"/>
@@ -21733,161 +21678,19 @@
           </a:p>
         </p:txBody>
       </p:sp>
-      <p:sp>
-        <p:nvSpPr>
-          <p:cNvPr id="135" name="직사각형 134"/>
-          <p:cNvSpPr/>
-          <p:nvPr/>
-        </p:nvSpPr>
-        <p:spPr>
-          <a:xfrm rot="10800000" flipV="1">
-            <a:off x="9153290" y="7796833"/>
-            <a:ext cx="2489200" cy="230798"/>
-          </a:xfrm>
-          <a:prstGeom prst="rect">
-            <a:avLst/>
-          </a:prstGeom>
-          <a:noFill/>
-        </p:spPr>
-        <p:style>
-          <a:lnRef idx="2">
-            <a:schemeClr val="accent1">
-              <a:shade val="50000"/>
-            </a:schemeClr>
-          </a:lnRef>
-          <a:fillRef idx="1">
-            <a:schemeClr val="accent1"/>
-          </a:fillRef>
-          <a:effectRef idx="0">
-            <a:schemeClr val="accent1"/>
-          </a:effectRef>
-          <a:fontRef idx="minor">
-            <a:schemeClr val="lt1"/>
-          </a:fontRef>
-        </p:style>
-        <p:txBody>
-          <a:bodyPr lIns="0" tIns="0" rIns="0" bIns="0" rtlCol="0" anchor="ctr"/>
-          <a:lstStyle>
-            <a:defPPr>
-              <a:defRPr lang="ko-KR"/>
-            </a:defPPr>
-            <a:lvl1pPr marL="0" algn="l" defTabSz="914400" rtl="0" eaLnBrk="1" latinLnBrk="1" hangingPunct="1">
-              <a:defRPr sz="1800" kern="1200">
-                <a:solidFill>
-                  <a:schemeClr val="lt1"/>
-                </a:solidFill>
-                <a:latin typeface="+mn-lt"/>
-                <a:ea typeface="+mn-ea"/>
-                <a:cs typeface="+mn-cs"/>
-              </a:defRPr>
-            </a:lvl1pPr>
-            <a:lvl2pPr marL="457200" algn="l" defTabSz="914400" rtl="0" eaLnBrk="1" latinLnBrk="1" hangingPunct="1">
-              <a:defRPr sz="1800" kern="1200">
-                <a:solidFill>
-                  <a:schemeClr val="lt1"/>
-                </a:solidFill>
-                <a:latin typeface="+mn-lt"/>
-                <a:ea typeface="+mn-ea"/>
-                <a:cs typeface="+mn-cs"/>
-              </a:defRPr>
-            </a:lvl2pPr>
-            <a:lvl3pPr marL="914400" algn="l" defTabSz="914400" rtl="0" eaLnBrk="1" latinLnBrk="1" hangingPunct="1">
-              <a:defRPr sz="1800" kern="1200">
-                <a:solidFill>
-                  <a:schemeClr val="lt1"/>
-                </a:solidFill>
-                <a:latin typeface="+mn-lt"/>
-                <a:ea typeface="+mn-ea"/>
-                <a:cs typeface="+mn-cs"/>
-              </a:defRPr>
-            </a:lvl3pPr>
-            <a:lvl4pPr marL="1371600" algn="l" defTabSz="914400" rtl="0" eaLnBrk="1" latinLnBrk="1" hangingPunct="1">
-              <a:defRPr sz="1800" kern="1200">
-                <a:solidFill>
-                  <a:schemeClr val="lt1"/>
-                </a:solidFill>
-                <a:latin typeface="+mn-lt"/>
-                <a:ea typeface="+mn-ea"/>
-                <a:cs typeface="+mn-cs"/>
-              </a:defRPr>
-            </a:lvl4pPr>
-            <a:lvl5pPr marL="1828800" algn="l" defTabSz="914400" rtl="0" eaLnBrk="1" latinLnBrk="1" hangingPunct="1">
-              <a:defRPr sz="1800" kern="1200">
-                <a:solidFill>
-                  <a:schemeClr val="lt1"/>
-                </a:solidFill>
-                <a:latin typeface="+mn-lt"/>
-                <a:ea typeface="+mn-ea"/>
-                <a:cs typeface="+mn-cs"/>
-              </a:defRPr>
-            </a:lvl5pPr>
-            <a:lvl6pPr marL="2286000" algn="l" defTabSz="914400" rtl="0" eaLnBrk="1" latinLnBrk="1" hangingPunct="1">
-              <a:defRPr sz="1800" kern="1200">
-                <a:solidFill>
-                  <a:schemeClr val="lt1"/>
-                </a:solidFill>
-                <a:latin typeface="+mn-lt"/>
-                <a:ea typeface="+mn-ea"/>
-                <a:cs typeface="+mn-cs"/>
-              </a:defRPr>
-            </a:lvl6pPr>
-            <a:lvl7pPr marL="2743200" algn="l" defTabSz="914400" rtl="0" eaLnBrk="1" latinLnBrk="1" hangingPunct="1">
-              <a:defRPr sz="1800" kern="1200">
-                <a:solidFill>
-                  <a:schemeClr val="lt1"/>
-                </a:solidFill>
-                <a:latin typeface="+mn-lt"/>
-                <a:ea typeface="+mn-ea"/>
-                <a:cs typeface="+mn-cs"/>
-              </a:defRPr>
-            </a:lvl7pPr>
-            <a:lvl8pPr marL="3200400" algn="l" defTabSz="914400" rtl="0" eaLnBrk="1" latinLnBrk="1" hangingPunct="1">
-              <a:defRPr sz="1800" kern="1200">
-                <a:solidFill>
-                  <a:schemeClr val="lt1"/>
-                </a:solidFill>
-                <a:latin typeface="+mn-lt"/>
-                <a:ea typeface="+mn-ea"/>
-                <a:cs typeface="+mn-cs"/>
-              </a:defRPr>
-            </a:lvl8pPr>
-            <a:lvl9pPr marL="3657600" algn="l" defTabSz="914400" rtl="0" eaLnBrk="1" latinLnBrk="1" hangingPunct="1">
-              <a:defRPr sz="1800" kern="1200">
-                <a:solidFill>
-                  <a:schemeClr val="lt1"/>
-                </a:solidFill>
-                <a:latin typeface="+mn-lt"/>
-                <a:ea typeface="+mn-ea"/>
-                <a:cs typeface="+mn-cs"/>
-              </a:defRPr>
-            </a:lvl9pPr>
-          </a:lstStyle>
-          <a:p>
-            <a:pPr algn="ctr"/>
-            <a:r>
-              <a:rPr lang="en-US" altLang="ko-KR" sz="1200" smtClean="0">
-                <a:solidFill>
-                  <a:schemeClr val="tx1"/>
-                </a:solidFill>
-              </a:rPr>
-              <a:t>TCumtomDraw.ChangeTo(True)</a:t>
-            </a:r>
-          </a:p>
-        </p:txBody>
-      </p:sp>
       <p:cxnSp>
         <p:nvCxnSpPr>
           <p:cNvPr id="137" name="직선 화살표 연결선 136"/>
           <p:cNvCxnSpPr>
             <a:stCxn id="75" idx="2"/>
-            <a:endCxn id="135" idx="0"/>
+            <a:endCxn id="102" idx="0"/>
           </p:cNvCxnSpPr>
           <p:nvPr/>
         </p:nvCxnSpPr>
         <p:spPr>
           <a:xfrm>
             <a:off x="10397807" y="7508801"/>
-            <a:ext cx="83" cy="288032"/>
+            <a:ext cx="103" cy="484311"/>
           </a:xfrm>
           <a:prstGeom prst="straightConnector1">
             <a:avLst/>
@@ -23120,7 +22923,23 @@
                   <a:schemeClr val="tx1"/>
                 </a:solidFill>
               </a:rPr>
-              <a:t>DisPose(aObjList[i])</a:t>
+              <a:t>Free</a:t>
+            </a:r>
+            <a:r>
+              <a:rPr lang="en-US" altLang="ko-KR" sz="1200" smtClean="0">
+                <a:solidFill>
+                  <a:schemeClr val="tx1"/>
+                </a:solidFill>
+              </a:rPr>
+              <a:t>(aObjList[i</a:t>
+            </a:r>
+            <a:r>
+              <a:rPr lang="en-US" altLang="ko-KR" sz="1200" smtClean="0">
+                <a:solidFill>
+                  <a:schemeClr val="tx1"/>
+                </a:solidFill>
+              </a:rPr>
+              <a:t>])</a:t>
             </a:r>
             <a:endParaRPr lang="en-US" altLang="ko-KR" sz="1200" dirty="0" smtClean="0">
               <a:solidFill>
@@ -23457,6 +23276,499 @@
           </a:fontRef>
         </p:style>
       </p:cxnSp>
+      <p:cxnSp>
+        <p:nvCxnSpPr>
+          <p:cNvPr id="67" name="Shape 66"/>
+          <p:cNvCxnSpPr>
+            <a:stCxn id="79" idx="3"/>
+            <a:endCxn id="99" idx="0"/>
+          </p:cNvCxnSpPr>
+          <p:nvPr/>
+        </p:nvCxnSpPr>
+        <p:spPr>
+          <a:xfrm>
+            <a:off x="8821982" y="2995598"/>
+            <a:ext cx="495601" cy="461010"/>
+          </a:xfrm>
+          <a:prstGeom prst="bentConnector2">
+            <a:avLst/>
+          </a:prstGeom>
+          <a:ln>
+            <a:tailEnd type="arrow"/>
+          </a:ln>
+        </p:spPr>
+        <p:style>
+          <a:lnRef idx="1">
+            <a:schemeClr val="accent1"/>
+          </a:lnRef>
+          <a:fillRef idx="0">
+            <a:schemeClr val="accent1"/>
+          </a:fillRef>
+          <a:effectRef idx="0">
+            <a:schemeClr val="accent1"/>
+          </a:effectRef>
+          <a:fontRef idx="minor">
+            <a:schemeClr val="tx1"/>
+          </a:fontRef>
+        </p:style>
+      </p:cxnSp>
+      <p:cxnSp>
+        <p:nvCxnSpPr>
+          <p:cNvPr id="70" name="Shape 69"/>
+          <p:cNvCxnSpPr>
+            <a:stCxn id="92" idx="3"/>
+            <a:endCxn id="81" idx="0"/>
+          </p:cNvCxnSpPr>
+          <p:nvPr/>
+        </p:nvCxnSpPr>
+        <p:spPr>
+          <a:xfrm>
+            <a:off x="10852456" y="4200263"/>
+            <a:ext cx="1547097" cy="421330"/>
+          </a:xfrm>
+          <a:prstGeom prst="bentConnector2">
+            <a:avLst/>
+          </a:prstGeom>
+          <a:ln>
+            <a:tailEnd type="arrow"/>
+          </a:ln>
+        </p:spPr>
+        <p:style>
+          <a:lnRef idx="1">
+            <a:schemeClr val="accent1"/>
+          </a:lnRef>
+          <a:fillRef idx="0">
+            <a:schemeClr val="accent1"/>
+          </a:fillRef>
+          <a:effectRef idx="0">
+            <a:schemeClr val="accent1"/>
+          </a:effectRef>
+          <a:fontRef idx="minor">
+            <a:schemeClr val="tx1"/>
+          </a:fontRef>
+        </p:style>
+      </p:cxnSp>
+      <p:cxnSp>
+        <p:nvCxnSpPr>
+          <p:cNvPr id="72" name="직선 화살표 연결선 71"/>
+          <p:cNvCxnSpPr>
+            <a:stCxn id="79" idx="2"/>
+          </p:cNvCxnSpPr>
+          <p:nvPr/>
+        </p:nvCxnSpPr>
+        <p:spPr>
+          <a:xfrm>
+            <a:off x="7582058" y="3255970"/>
+            <a:ext cx="14900" cy="4252831"/>
+          </a:xfrm>
+          <a:prstGeom prst="straightConnector1">
+            <a:avLst/>
+          </a:prstGeom>
+          <a:ln>
+            <a:tailEnd type="arrow"/>
+          </a:ln>
+        </p:spPr>
+        <p:style>
+          <a:lnRef idx="1">
+            <a:schemeClr val="accent1"/>
+          </a:lnRef>
+          <a:fillRef idx="0">
+            <a:schemeClr val="accent1"/>
+          </a:fillRef>
+          <a:effectRef idx="0">
+            <a:schemeClr val="accent1"/>
+          </a:effectRef>
+          <a:fontRef idx="minor">
+            <a:schemeClr val="tx1"/>
+          </a:fontRef>
+        </p:style>
+      </p:cxnSp>
+      <p:cxnSp>
+        <p:nvCxnSpPr>
+          <p:cNvPr id="101" name="직선 화살표 연결선 100"/>
+          <p:cNvCxnSpPr>
+            <a:endCxn id="79" idx="0"/>
+          </p:cNvCxnSpPr>
+          <p:nvPr/>
+        </p:nvCxnSpPr>
+        <p:spPr>
+          <a:xfrm>
+            <a:off x="7582058" y="2437696"/>
+            <a:ext cx="0" cy="297530"/>
+          </a:xfrm>
+          <a:prstGeom prst="straightConnector1">
+            <a:avLst/>
+          </a:prstGeom>
+          <a:ln>
+            <a:tailEnd type="arrow"/>
+          </a:ln>
+        </p:spPr>
+        <p:style>
+          <a:lnRef idx="1">
+            <a:schemeClr val="accent1"/>
+          </a:lnRef>
+          <a:fillRef idx="0">
+            <a:schemeClr val="accent1"/>
+          </a:fillRef>
+          <a:effectRef idx="0">
+            <a:schemeClr val="accent1"/>
+          </a:effectRef>
+          <a:fontRef idx="minor">
+            <a:schemeClr val="tx1"/>
+          </a:fontRef>
+        </p:style>
+      </p:cxnSp>
+      <p:sp>
+        <p:nvSpPr>
+          <p:cNvPr id="107" name="직사각형 106"/>
+          <p:cNvSpPr/>
+          <p:nvPr/>
+        </p:nvSpPr>
+        <p:spPr>
+          <a:xfrm rot="10800000" flipV="1">
+            <a:off x="12584501" y="6725584"/>
+            <a:ext cx="2160447" cy="475440"/>
+          </a:xfrm>
+          <a:prstGeom prst="rect">
+            <a:avLst/>
+          </a:prstGeom>
+          <a:noFill/>
+        </p:spPr>
+        <p:style>
+          <a:lnRef idx="2">
+            <a:schemeClr val="accent1">
+              <a:shade val="50000"/>
+            </a:schemeClr>
+          </a:lnRef>
+          <a:fillRef idx="1">
+            <a:schemeClr val="accent1"/>
+          </a:fillRef>
+          <a:effectRef idx="0">
+            <a:schemeClr val="accent1"/>
+          </a:effectRef>
+          <a:fontRef idx="minor">
+            <a:schemeClr val="lt1"/>
+          </a:fontRef>
+        </p:style>
+        <p:txBody>
+          <a:bodyPr lIns="0" tIns="0" rIns="0" bIns="0" rtlCol="0" anchor="ctr"/>
+          <a:lstStyle>
+            <a:defPPr>
+              <a:defRPr lang="ko-KR"/>
+            </a:defPPr>
+            <a:lvl1pPr marL="0" algn="l" defTabSz="914400" rtl="0" eaLnBrk="1" latinLnBrk="1" hangingPunct="1">
+              <a:defRPr sz="1800" kern="1200">
+                <a:solidFill>
+                  <a:schemeClr val="lt1"/>
+                </a:solidFill>
+                <a:latin typeface="+mn-lt"/>
+                <a:ea typeface="+mn-ea"/>
+                <a:cs typeface="+mn-cs"/>
+              </a:defRPr>
+            </a:lvl1pPr>
+            <a:lvl2pPr marL="457200" algn="l" defTabSz="914400" rtl="0" eaLnBrk="1" latinLnBrk="1" hangingPunct="1">
+              <a:defRPr sz="1800" kern="1200">
+                <a:solidFill>
+                  <a:schemeClr val="lt1"/>
+                </a:solidFill>
+                <a:latin typeface="+mn-lt"/>
+                <a:ea typeface="+mn-ea"/>
+                <a:cs typeface="+mn-cs"/>
+              </a:defRPr>
+            </a:lvl2pPr>
+            <a:lvl3pPr marL="914400" algn="l" defTabSz="914400" rtl="0" eaLnBrk="1" latinLnBrk="1" hangingPunct="1">
+              <a:defRPr sz="1800" kern="1200">
+                <a:solidFill>
+                  <a:schemeClr val="lt1"/>
+                </a:solidFill>
+                <a:latin typeface="+mn-lt"/>
+                <a:ea typeface="+mn-ea"/>
+                <a:cs typeface="+mn-cs"/>
+              </a:defRPr>
+            </a:lvl3pPr>
+            <a:lvl4pPr marL="1371600" algn="l" defTabSz="914400" rtl="0" eaLnBrk="1" latinLnBrk="1" hangingPunct="1">
+              <a:defRPr sz="1800" kern="1200">
+                <a:solidFill>
+                  <a:schemeClr val="lt1"/>
+                </a:solidFill>
+                <a:latin typeface="+mn-lt"/>
+                <a:ea typeface="+mn-ea"/>
+                <a:cs typeface="+mn-cs"/>
+              </a:defRPr>
+            </a:lvl4pPr>
+            <a:lvl5pPr marL="1828800" algn="l" defTabSz="914400" rtl="0" eaLnBrk="1" latinLnBrk="1" hangingPunct="1">
+              <a:defRPr sz="1800" kern="1200">
+                <a:solidFill>
+                  <a:schemeClr val="lt1"/>
+                </a:solidFill>
+                <a:latin typeface="+mn-lt"/>
+                <a:ea typeface="+mn-ea"/>
+                <a:cs typeface="+mn-cs"/>
+              </a:defRPr>
+            </a:lvl5pPr>
+            <a:lvl6pPr marL="2286000" algn="l" defTabSz="914400" rtl="0" eaLnBrk="1" latinLnBrk="1" hangingPunct="1">
+              <a:defRPr sz="1800" kern="1200">
+                <a:solidFill>
+                  <a:schemeClr val="lt1"/>
+                </a:solidFill>
+                <a:latin typeface="+mn-lt"/>
+                <a:ea typeface="+mn-ea"/>
+                <a:cs typeface="+mn-cs"/>
+              </a:defRPr>
+            </a:lvl6pPr>
+            <a:lvl7pPr marL="2743200" algn="l" defTabSz="914400" rtl="0" eaLnBrk="1" latinLnBrk="1" hangingPunct="1">
+              <a:defRPr sz="1800" kern="1200">
+                <a:solidFill>
+                  <a:schemeClr val="lt1"/>
+                </a:solidFill>
+                <a:latin typeface="+mn-lt"/>
+                <a:ea typeface="+mn-ea"/>
+                <a:cs typeface="+mn-cs"/>
+              </a:defRPr>
+            </a:lvl7pPr>
+            <a:lvl8pPr marL="3200400" algn="l" defTabSz="914400" rtl="0" eaLnBrk="1" latinLnBrk="1" hangingPunct="1">
+              <a:defRPr sz="1800" kern="1200">
+                <a:solidFill>
+                  <a:schemeClr val="lt1"/>
+                </a:solidFill>
+                <a:latin typeface="+mn-lt"/>
+                <a:ea typeface="+mn-ea"/>
+                <a:cs typeface="+mn-cs"/>
+              </a:defRPr>
+            </a:lvl8pPr>
+            <a:lvl9pPr marL="3657600" algn="l" defTabSz="914400" rtl="0" eaLnBrk="1" latinLnBrk="1" hangingPunct="1">
+              <a:defRPr sz="1800" kern="1200">
+                <a:solidFill>
+                  <a:schemeClr val="lt1"/>
+                </a:solidFill>
+                <a:latin typeface="+mn-lt"/>
+                <a:ea typeface="+mn-ea"/>
+                <a:cs typeface="+mn-cs"/>
+              </a:defRPr>
+            </a:lvl9pPr>
+          </a:lstStyle>
+          <a:p>
+            <a:pPr algn="ctr"/>
+            <a:r>
+              <a:rPr lang="en-US" altLang="ko-KR" sz="1200" smtClean="0">
+                <a:solidFill>
+                  <a:schemeClr val="tx1"/>
+                </a:solidFill>
+              </a:rPr>
+              <a:t>Exit</a:t>
+            </a:r>
+            <a:endParaRPr lang="en-US" altLang="ko-KR" sz="1200" smtClean="0">
+              <a:solidFill>
+                <a:schemeClr val="tx1"/>
+              </a:solidFill>
+            </a:endParaRPr>
+          </a:p>
+        </p:txBody>
+      </p:sp>
+      <p:cxnSp>
+        <p:nvCxnSpPr>
+          <p:cNvPr id="112" name="Shape 111"/>
+          <p:cNvCxnSpPr>
+            <a:stCxn id="80" idx="2"/>
+          </p:cNvCxnSpPr>
+          <p:nvPr/>
+        </p:nvCxnSpPr>
+        <p:spPr>
+          <a:xfrm rot="5400000">
+            <a:off x="9326063" y="4133313"/>
+            <a:ext cx="1338606" cy="4796816"/>
+          </a:xfrm>
+          <a:prstGeom prst="bentConnector2">
+            <a:avLst/>
+          </a:prstGeom>
+          <a:ln>
+            <a:tailEnd type="arrow"/>
+          </a:ln>
+        </p:spPr>
+        <p:style>
+          <a:lnRef idx="1">
+            <a:schemeClr val="accent1"/>
+          </a:lnRef>
+          <a:fillRef idx="0">
+            <a:schemeClr val="accent1"/>
+          </a:fillRef>
+          <a:effectRef idx="0">
+            <a:schemeClr val="accent1"/>
+          </a:effectRef>
+          <a:fontRef idx="minor">
+            <a:schemeClr val="tx1"/>
+          </a:fontRef>
+        </p:style>
+      </p:cxnSp>
+      <p:cxnSp>
+        <p:nvCxnSpPr>
+          <p:cNvPr id="115" name="직선 화살표 연결선 114"/>
+          <p:cNvCxnSpPr>
+            <a:stCxn id="77" idx="2"/>
+            <a:endCxn id="107" idx="0"/>
+          </p:cNvCxnSpPr>
+          <p:nvPr/>
+        </p:nvCxnSpPr>
+        <p:spPr>
+          <a:xfrm>
+            <a:off x="13664724" y="6565811"/>
+            <a:ext cx="0" cy="159773"/>
+          </a:xfrm>
+          <a:prstGeom prst="straightConnector1">
+            <a:avLst/>
+          </a:prstGeom>
+          <a:ln>
+            <a:tailEnd type="arrow"/>
+          </a:ln>
+        </p:spPr>
+        <p:style>
+          <a:lnRef idx="1">
+            <a:schemeClr val="accent1"/>
+          </a:lnRef>
+          <a:fillRef idx="0">
+            <a:schemeClr val="accent1"/>
+          </a:fillRef>
+          <a:effectRef idx="0">
+            <a:schemeClr val="accent1"/>
+          </a:effectRef>
+          <a:fontRef idx="minor">
+            <a:schemeClr val="tx1"/>
+          </a:fontRef>
+        </p:style>
+      </p:cxnSp>
+      <p:sp>
+        <p:nvSpPr>
+          <p:cNvPr id="116" name="TextBox 115"/>
+          <p:cNvSpPr txBox="1"/>
+          <p:nvPr/>
+        </p:nvSpPr>
+        <p:spPr>
+          <a:xfrm>
+            <a:off x="10905736" y="2437696"/>
+            <a:ext cx="4851008" cy="2031325"/>
+          </a:xfrm>
+          <a:prstGeom prst="rect">
+            <a:avLst/>
+          </a:prstGeom>
+          <a:noFill/>
+        </p:spPr>
+        <p:txBody>
+          <a:bodyPr wrap="none" rtlCol="0">
+            <a:spAutoFit/>
+          </a:bodyPr>
+          <a:lstStyle/>
+          <a:p>
+            <a:r>
+              <a:rPr lang="ko-KR" altLang="en-US" smtClean="0"/>
+              <a:t>로직을 하긴 했지만</a:t>
+            </a:r>
+            <a:r>
+              <a:rPr lang="en-US" altLang="ko-KR" smtClean="0"/>
+              <a:t>, </a:t>
+            </a:r>
+          </a:p>
+          <a:p>
+            <a:r>
+              <a:rPr lang="en-US" altLang="ko-KR" smtClean="0"/>
+              <a:t>fX, fY</a:t>
+            </a:r>
+            <a:r>
+              <a:rPr lang="ko-KR" altLang="en-US" smtClean="0"/>
+              <a:t>는 </a:t>
+            </a:r>
+            <a:r>
+              <a:rPr lang="en-US" altLang="ko-KR" smtClean="0"/>
+              <a:t>TCustomDraw</a:t>
+            </a:r>
+            <a:r>
+              <a:rPr lang="ko-KR" altLang="en-US" smtClean="0"/>
+              <a:t>가 가지고있지</a:t>
+            </a:r>
+            <a:r>
+              <a:rPr lang="en-US" altLang="ko-KR" smtClean="0"/>
+              <a:t>.</a:t>
+            </a:r>
+          </a:p>
+          <a:p>
+            <a:r>
+              <a:rPr lang="en-US" altLang="ko-KR" smtClean="0"/>
+              <a:t> </a:t>
+            </a:r>
+            <a:r>
+              <a:rPr lang="ko-KR" altLang="en-US" smtClean="0"/>
+              <a:t>값을 넘겨서  </a:t>
+            </a:r>
+            <a:r>
+              <a:rPr lang="en-US" altLang="ko-KR" smtClean="0"/>
+              <a:t>other</a:t>
+            </a:r>
+            <a:r>
+              <a:rPr lang="ko-KR" altLang="en-US" smtClean="0"/>
+              <a:t>를 주고</a:t>
+            </a:r>
+            <a:r>
+              <a:rPr lang="en-US" altLang="ko-KR" smtClean="0"/>
+              <a:t>, </a:t>
+            </a:r>
+          </a:p>
+          <a:p>
+            <a:r>
+              <a:rPr lang="ko-KR" altLang="en-US" smtClean="0"/>
+              <a:t>자신과 충돌했는지 확인해라</a:t>
+            </a:r>
+            <a:r>
+              <a:rPr lang="en-US" altLang="ko-KR" smtClean="0"/>
+              <a:t>, </a:t>
+            </a:r>
+            <a:r>
+              <a:rPr lang="ko-KR" altLang="en-US" smtClean="0"/>
+              <a:t>이렇게 해야해</a:t>
+            </a:r>
+            <a:r>
+              <a:rPr lang="en-US" altLang="ko-KR" smtClean="0"/>
+              <a:t>. </a:t>
+            </a:r>
+          </a:p>
+          <a:p>
+            <a:r>
+              <a:rPr lang="ko-KR" altLang="en-US" smtClean="0"/>
+              <a:t>체크하는건 넘겨줘</a:t>
+            </a:r>
+            <a:r>
+              <a:rPr lang="en-US" altLang="ko-KR" smtClean="0"/>
+              <a:t>. </a:t>
+            </a:r>
+          </a:p>
+          <a:p>
+            <a:r>
+              <a:rPr lang="ko-KR" altLang="en-US" smtClean="0"/>
+              <a:t>같은 코드면 오브젝트를 넘겨도되는거지</a:t>
+            </a:r>
+            <a:r>
+              <a:rPr lang="en-US" altLang="ko-KR" smtClean="0"/>
+              <a:t>. </a:t>
+            </a:r>
+          </a:p>
+          <a:p>
+            <a:r>
+              <a:rPr lang="ko-KR" altLang="en-US" smtClean="0"/>
+              <a:t>완전 다른코드일경우</a:t>
+            </a:r>
+            <a:r>
+              <a:rPr lang="en-US" altLang="ko-KR" smtClean="0"/>
+              <a:t>, </a:t>
+            </a:r>
+            <a:r>
+              <a:rPr lang="ko-KR" altLang="en-US" smtClean="0"/>
+              <a:t>좌표값을 주고</a:t>
+            </a:r>
+            <a:r>
+              <a:rPr lang="en-US" altLang="ko-KR" smtClean="0"/>
+              <a:t>, </a:t>
+            </a:r>
+          </a:p>
+        </p:txBody>
+      </p:sp>
     </p:spTree>
   </p:cSld>
   <p:clrMapOvr>
